--- a/Lecture Slides/VideoLectureSlides/3.4.pptx
+++ b/Lecture Slides/VideoLectureSlides/3.4.pptx
@@ -5,7 +5,7 @@
     <p:sldMasterId id="2147483660" r:id="rId4"/>
   </p:sldMasterIdLst>
   <p:notesMasterIdLst>
-    <p:notesMasterId r:id="rId14"/>
+    <p:notesMasterId r:id="rId16"/>
   </p:notesMasterIdLst>
   <p:sldIdLst>
     <p:sldId id="256" r:id="rId5"/>
@@ -15,8 +15,10 @@
     <p:sldId id="295" r:id="rId9"/>
     <p:sldId id="298" r:id="rId10"/>
     <p:sldId id="287" r:id="rId11"/>
-    <p:sldId id="302" r:id="rId12"/>
-    <p:sldId id="301" r:id="rId13"/>
+    <p:sldId id="305" r:id="rId12"/>
+    <p:sldId id="302" r:id="rId13"/>
+    <p:sldId id="304" r:id="rId14"/>
+    <p:sldId id="301" r:id="rId15"/>
   </p:sldIdLst>
   <p:sldSz cx="9144000" cy="6858000" type="screen4x3"/>
   <p:notesSz cx="6858000" cy="9144000"/>
@@ -646,7 +648,7 @@
           <a:p>
             <a:fld id="{1AA1AB63-216F-4D5B-8811-CCB935E98D4A}" type="datetimeFigureOut">
               <a:rPr lang="en-US" smtClean="0"/>
-              <a:t>9/17/2020</a:t>
+              <a:t>8/30/2021</a:t>
             </a:fld>
             <a:endParaRPr lang="en-US"/>
           </a:p>
@@ -4157,6 +4159,1019 @@
 </p:sld>
 </file>
 
+<file path=ppt/slides/slide10.xml><?xml version="1.0" encoding="utf-8"?>
+<p:sld xmlns:a="http://schemas.openxmlformats.org/drawingml/2006/main" xmlns:r="http://schemas.openxmlformats.org/officeDocument/2006/relationships" xmlns:p="http://schemas.openxmlformats.org/presentationml/2006/main">
+  <p:cSld>
+    <p:spTree>
+      <p:nvGrpSpPr>
+        <p:cNvPr id="1" name=""/>
+        <p:cNvGrpSpPr/>
+        <p:nvPr/>
+      </p:nvGrpSpPr>
+      <p:grpSpPr>
+        <a:xfrm>
+          <a:off x="0" y="0"/>
+          <a:ext cx="0" cy="0"/>
+          <a:chOff x="0" y="0"/>
+          <a:chExt cx="0" cy="0"/>
+        </a:xfrm>
+      </p:grpSpPr>
+      <p:sp>
+        <p:nvSpPr>
+          <p:cNvPr id="2" name="Title 1">
+            <a:extLst>
+              <a:ext uri="{FF2B5EF4-FFF2-40B4-BE49-F238E27FC236}">
+                <a16:creationId xmlns:a16="http://schemas.microsoft.com/office/drawing/2014/main" id="{C30B8AA5-43E5-4888-9835-51B81DF2253B}"/>
+              </a:ext>
+            </a:extLst>
+          </p:cNvPr>
+          <p:cNvSpPr>
+            <a:spLocks noGrp="1"/>
+          </p:cNvSpPr>
+          <p:nvPr>
+            <p:ph type="title"/>
+          </p:nvPr>
+        </p:nvSpPr>
+        <p:spPr/>
+        <p:txBody>
+          <a:bodyPr>
+            <a:normAutofit fontScale="90000"/>
+          </a:bodyPr>
+          <a:lstStyle/>
+          <a:p>
+            <a:r>
+              <a:rPr lang="en-US" dirty="0"/>
+              <a:t>Moment of a Force About a Point</a:t>
+            </a:r>
+            <a:br>
+              <a:rPr lang="en-US" dirty="0"/>
+            </a:br>
+            <a:r>
+              <a:rPr lang="en-US" dirty="0"/>
+              <a:t>Worked Example</a:t>
+            </a:r>
+          </a:p>
+        </p:txBody>
+      </p:sp>
+      <p:sp>
+        <p:nvSpPr>
+          <p:cNvPr id="3" name="Content Placeholder 2">
+            <a:extLst>
+              <a:ext uri="{FF2B5EF4-FFF2-40B4-BE49-F238E27FC236}">
+                <a16:creationId xmlns:a16="http://schemas.microsoft.com/office/drawing/2014/main" id="{C9B38FD5-0F88-4781-B39C-2DF2AEA2FE69}"/>
+              </a:ext>
+            </a:extLst>
+          </p:cNvPr>
+          <p:cNvSpPr>
+            <a:spLocks noGrp="1"/>
+          </p:cNvSpPr>
+          <p:nvPr>
+            <p:ph idx="1"/>
+          </p:nvPr>
+        </p:nvSpPr>
+        <p:spPr>
+          <a:xfrm>
+            <a:off x="457200" y="1600201"/>
+            <a:ext cx="7924800" cy="1286470"/>
+          </a:xfrm>
+        </p:spPr>
+        <p:txBody>
+          <a:bodyPr>
+            <a:normAutofit fontScale="92500" lnSpcReduction="20000"/>
+          </a:bodyPr>
+          <a:lstStyle/>
+          <a:p>
+            <a:r>
+              <a:rPr lang="en-US" dirty="0"/>
+              <a:t>What is the moment that the force shown below exerts about the base of the pole at O? Leave your answer as a moment vector.</a:t>
+            </a:r>
+          </a:p>
+        </p:txBody>
+      </p:sp>
+      <p:sp>
+        <p:nvSpPr>
+          <p:cNvPr id="4" name="Slide Number Placeholder 3">
+            <a:extLst>
+              <a:ext uri="{FF2B5EF4-FFF2-40B4-BE49-F238E27FC236}">
+                <a16:creationId xmlns:a16="http://schemas.microsoft.com/office/drawing/2014/main" id="{CDBE7FAE-FD83-48D7-B4C8-E601B1F87419}"/>
+              </a:ext>
+            </a:extLst>
+          </p:cNvPr>
+          <p:cNvSpPr>
+            <a:spLocks noGrp="1"/>
+          </p:cNvSpPr>
+          <p:nvPr>
+            <p:ph type="sldNum" sz="quarter" idx="12"/>
+          </p:nvPr>
+        </p:nvSpPr>
+        <p:spPr/>
+        <p:txBody>
+          <a:bodyPr/>
+          <a:lstStyle/>
+          <a:p>
+            <a:fld id="{929262FE-7F58-4A1E-8AF3-5A510A86DEBD}" type="slidenum">
+              <a:rPr lang="en-US" smtClean="0"/>
+              <a:t>10</a:t>
+            </a:fld>
+            <a:endParaRPr lang="en-US"/>
+          </a:p>
+        </p:txBody>
+      </p:sp>
+      <p:sp>
+        <p:nvSpPr>
+          <p:cNvPr id="5" name="Cylinder 4">
+            <a:extLst>
+              <a:ext uri="{FF2B5EF4-FFF2-40B4-BE49-F238E27FC236}">
+                <a16:creationId xmlns:a16="http://schemas.microsoft.com/office/drawing/2014/main" id="{3B77948A-DCE5-4137-A793-3D68BBEA495D}"/>
+              </a:ext>
+            </a:extLst>
+          </p:cNvPr>
+          <p:cNvSpPr/>
+          <p:nvPr/>
+        </p:nvSpPr>
+        <p:spPr>
+          <a:xfrm>
+            <a:off x="4395788" y="3748881"/>
+            <a:ext cx="685800" cy="2317750"/>
+          </a:xfrm>
+          <a:prstGeom prst="can">
+            <a:avLst>
+              <a:gd name="adj" fmla="val 36111"/>
+            </a:avLst>
+          </a:prstGeom>
+        </p:spPr>
+        <p:style>
+          <a:lnRef idx="1">
+            <a:schemeClr val="dk1"/>
+          </a:lnRef>
+          <a:fillRef idx="2">
+            <a:schemeClr val="dk1"/>
+          </a:fillRef>
+          <a:effectRef idx="1">
+            <a:schemeClr val="dk1"/>
+          </a:effectRef>
+          <a:fontRef idx="minor">
+            <a:schemeClr val="dk1"/>
+          </a:fontRef>
+        </p:style>
+        <p:txBody>
+          <a:bodyPr rtlCol="0" anchor="ctr"/>
+          <a:lstStyle/>
+          <a:p>
+            <a:pPr algn="ctr"/>
+            <a:endParaRPr lang="en-US"/>
+          </a:p>
+        </p:txBody>
+      </p:sp>
+      <p:sp>
+        <p:nvSpPr>
+          <p:cNvPr id="6" name="Cube 5">
+            <a:extLst>
+              <a:ext uri="{FF2B5EF4-FFF2-40B4-BE49-F238E27FC236}">
+                <a16:creationId xmlns:a16="http://schemas.microsoft.com/office/drawing/2014/main" id="{9F81E840-5177-42A2-93F4-37148E14BB87}"/>
+              </a:ext>
+            </a:extLst>
+          </p:cNvPr>
+          <p:cNvSpPr/>
+          <p:nvPr/>
+        </p:nvSpPr>
+        <p:spPr>
+          <a:xfrm>
+            <a:off x="2571751" y="3505200"/>
+            <a:ext cx="4333875" cy="487362"/>
+          </a:xfrm>
+          <a:prstGeom prst="cube">
+            <a:avLst>
+              <a:gd name="adj" fmla="val 62500"/>
+            </a:avLst>
+          </a:prstGeom>
+        </p:spPr>
+        <p:style>
+          <a:lnRef idx="1">
+            <a:schemeClr val="dk1"/>
+          </a:lnRef>
+          <a:fillRef idx="2">
+            <a:schemeClr val="dk1"/>
+          </a:fillRef>
+          <a:effectRef idx="1">
+            <a:schemeClr val="dk1"/>
+          </a:effectRef>
+          <a:fontRef idx="minor">
+            <a:schemeClr val="dk1"/>
+          </a:fontRef>
+        </p:style>
+        <p:txBody>
+          <a:bodyPr rtlCol="0" anchor="ctr"/>
+          <a:lstStyle/>
+          <a:p>
+            <a:pPr algn="ctr"/>
+            <a:endParaRPr lang="en-US"/>
+          </a:p>
+        </p:txBody>
+      </p:sp>
+      <p:cxnSp>
+        <p:nvCxnSpPr>
+          <p:cNvPr id="8" name="Straight Arrow Connector 7">
+            <a:extLst>
+              <a:ext uri="{FF2B5EF4-FFF2-40B4-BE49-F238E27FC236}">
+                <a16:creationId xmlns:a16="http://schemas.microsoft.com/office/drawing/2014/main" id="{3363CDB8-36B0-4A66-A030-7EBDD0C8C6FA}"/>
+              </a:ext>
+            </a:extLst>
+          </p:cNvPr>
+          <p:cNvCxnSpPr/>
+          <p:nvPr/>
+        </p:nvCxnSpPr>
+        <p:spPr>
+          <a:xfrm>
+            <a:off x="5153025" y="5981700"/>
+            <a:ext cx="914400" cy="0"/>
+          </a:xfrm>
+          <a:prstGeom prst="straightConnector1">
+            <a:avLst/>
+          </a:prstGeom>
+          <a:ln>
+            <a:headEnd type="none" w="med" len="med"/>
+            <a:tailEnd type="arrow" w="med" len="med"/>
+          </a:ln>
+        </p:spPr>
+        <p:style>
+          <a:lnRef idx="2">
+            <a:schemeClr val="dk1"/>
+          </a:lnRef>
+          <a:fillRef idx="0">
+            <a:schemeClr val="dk1"/>
+          </a:fillRef>
+          <a:effectRef idx="1">
+            <a:schemeClr val="dk1"/>
+          </a:effectRef>
+          <a:fontRef idx="minor">
+            <a:schemeClr val="tx1"/>
+          </a:fontRef>
+        </p:style>
+      </p:cxnSp>
+      <p:cxnSp>
+        <p:nvCxnSpPr>
+          <p:cNvPr id="14" name="Straight Arrow Connector 13">
+            <a:extLst>
+              <a:ext uri="{FF2B5EF4-FFF2-40B4-BE49-F238E27FC236}">
+                <a16:creationId xmlns:a16="http://schemas.microsoft.com/office/drawing/2014/main" id="{B8261290-9E84-4195-A436-200C7BEB6459}"/>
+              </a:ext>
+            </a:extLst>
+          </p:cNvPr>
+          <p:cNvCxnSpPr>
+            <a:cxnSpLocks/>
+          </p:cNvCxnSpPr>
+          <p:nvPr/>
+        </p:nvCxnSpPr>
+        <p:spPr>
+          <a:xfrm flipH="1">
+            <a:off x="4229100" y="6130925"/>
+            <a:ext cx="407194" cy="407194"/>
+          </a:xfrm>
+          <a:prstGeom prst="straightConnector1">
+            <a:avLst/>
+          </a:prstGeom>
+          <a:ln>
+            <a:headEnd type="none" w="med" len="med"/>
+            <a:tailEnd type="arrow" w="med" len="med"/>
+          </a:ln>
+        </p:spPr>
+        <p:style>
+          <a:lnRef idx="2">
+            <a:schemeClr val="dk1"/>
+          </a:lnRef>
+          <a:fillRef idx="0">
+            <a:schemeClr val="dk1"/>
+          </a:fillRef>
+          <a:effectRef idx="1">
+            <a:schemeClr val="dk1"/>
+          </a:effectRef>
+          <a:fontRef idx="minor">
+            <a:schemeClr val="tx1"/>
+          </a:fontRef>
+        </p:style>
+      </p:cxnSp>
+      <p:sp>
+        <p:nvSpPr>
+          <p:cNvPr id="16" name="TextBox 15">
+            <a:extLst>
+              <a:ext uri="{FF2B5EF4-FFF2-40B4-BE49-F238E27FC236}">
+                <a16:creationId xmlns:a16="http://schemas.microsoft.com/office/drawing/2014/main" id="{2085BB72-7782-4A6B-BDE1-3086FD3395DD}"/>
+              </a:ext>
+            </a:extLst>
+          </p:cNvPr>
+          <p:cNvSpPr txBox="1"/>
+          <p:nvPr/>
+        </p:nvSpPr>
+        <p:spPr>
+          <a:xfrm>
+            <a:off x="6138179" y="5797034"/>
+            <a:ext cx="284052" cy="369332"/>
+          </a:xfrm>
+          <a:prstGeom prst="rect">
+            <a:avLst/>
+          </a:prstGeom>
+          <a:noFill/>
+        </p:spPr>
+        <p:txBody>
+          <a:bodyPr wrap="none" rtlCol="0">
+            <a:spAutoFit/>
+          </a:bodyPr>
+          <a:lstStyle/>
+          <a:p>
+            <a:r>
+              <a:rPr lang="en-US" dirty="0"/>
+              <a:t>x</a:t>
+            </a:r>
+          </a:p>
+        </p:txBody>
+      </p:sp>
+      <p:sp>
+        <p:nvSpPr>
+          <p:cNvPr id="17" name="TextBox 16">
+            <a:extLst>
+              <a:ext uri="{FF2B5EF4-FFF2-40B4-BE49-F238E27FC236}">
+                <a16:creationId xmlns:a16="http://schemas.microsoft.com/office/drawing/2014/main" id="{0DFADCA5-4A0A-436D-9145-B24983905694}"/>
+              </a:ext>
+            </a:extLst>
+          </p:cNvPr>
+          <p:cNvSpPr txBox="1"/>
+          <p:nvPr/>
+        </p:nvSpPr>
+        <p:spPr>
+          <a:xfrm>
+            <a:off x="4849876" y="2750790"/>
+            <a:ext cx="288862" cy="369332"/>
+          </a:xfrm>
+          <a:prstGeom prst="rect">
+            <a:avLst/>
+          </a:prstGeom>
+          <a:noFill/>
+        </p:spPr>
+        <p:txBody>
+          <a:bodyPr wrap="none" rtlCol="0">
+            <a:spAutoFit/>
+          </a:bodyPr>
+          <a:lstStyle/>
+          <a:p>
+            <a:r>
+              <a:rPr lang="en-US" dirty="0"/>
+              <a:t>y</a:t>
+            </a:r>
+          </a:p>
+        </p:txBody>
+      </p:sp>
+      <p:sp>
+        <p:nvSpPr>
+          <p:cNvPr id="18" name="TextBox 17">
+            <a:extLst>
+              <a:ext uri="{FF2B5EF4-FFF2-40B4-BE49-F238E27FC236}">
+                <a16:creationId xmlns:a16="http://schemas.microsoft.com/office/drawing/2014/main" id="{39F1CB18-341D-4A28-ABE4-37290A82CC42}"/>
+              </a:ext>
+            </a:extLst>
+          </p:cNvPr>
+          <p:cNvSpPr txBox="1"/>
+          <p:nvPr/>
+        </p:nvSpPr>
+        <p:spPr>
+          <a:xfrm>
+            <a:off x="3902138" y="6336268"/>
+            <a:ext cx="276038" cy="369332"/>
+          </a:xfrm>
+          <a:prstGeom prst="rect">
+            <a:avLst/>
+          </a:prstGeom>
+          <a:noFill/>
+        </p:spPr>
+        <p:txBody>
+          <a:bodyPr wrap="none" rtlCol="0">
+            <a:spAutoFit/>
+          </a:bodyPr>
+          <a:lstStyle/>
+          <a:p>
+            <a:r>
+              <a:rPr lang="en-US" dirty="0"/>
+              <a:t>z</a:t>
+            </a:r>
+          </a:p>
+        </p:txBody>
+      </p:sp>
+      <p:cxnSp>
+        <p:nvCxnSpPr>
+          <p:cNvPr id="20" name="Straight Arrow Connector 19">
+            <a:extLst>
+              <a:ext uri="{FF2B5EF4-FFF2-40B4-BE49-F238E27FC236}">
+                <a16:creationId xmlns:a16="http://schemas.microsoft.com/office/drawing/2014/main" id="{E555EF87-E22C-47FF-B3EC-E74E0889B8CA}"/>
+              </a:ext>
+            </a:extLst>
+          </p:cNvPr>
+          <p:cNvCxnSpPr>
+            <a:cxnSpLocks/>
+          </p:cNvCxnSpPr>
+          <p:nvPr/>
+        </p:nvCxnSpPr>
+        <p:spPr>
+          <a:xfrm flipH="1">
+            <a:off x="2133600" y="3629024"/>
+            <a:ext cx="628650" cy="561976"/>
+          </a:xfrm>
+          <a:prstGeom prst="straightConnector1">
+            <a:avLst/>
+          </a:prstGeom>
+          <a:ln>
+            <a:solidFill>
+              <a:srgbClr val="FF0000"/>
+            </a:solidFill>
+            <a:tailEnd type="triangle"/>
+          </a:ln>
+        </p:spPr>
+        <p:style>
+          <a:lnRef idx="3">
+            <a:schemeClr val="accent2"/>
+          </a:lnRef>
+          <a:fillRef idx="0">
+            <a:schemeClr val="accent2"/>
+          </a:fillRef>
+          <a:effectRef idx="2">
+            <a:schemeClr val="accent2"/>
+          </a:effectRef>
+          <a:fontRef idx="minor">
+            <a:schemeClr val="tx1"/>
+          </a:fontRef>
+        </p:style>
+      </p:cxnSp>
+      <p:cxnSp>
+        <p:nvCxnSpPr>
+          <p:cNvPr id="23" name="Straight Connector 22">
+            <a:extLst>
+              <a:ext uri="{FF2B5EF4-FFF2-40B4-BE49-F238E27FC236}">
+                <a16:creationId xmlns:a16="http://schemas.microsoft.com/office/drawing/2014/main" id="{905A8E43-6B6D-46C7-A4B9-36456210D939}"/>
+              </a:ext>
+            </a:extLst>
+          </p:cNvPr>
+          <p:cNvCxnSpPr>
+            <a:cxnSpLocks/>
+          </p:cNvCxnSpPr>
+          <p:nvPr/>
+        </p:nvCxnSpPr>
+        <p:spPr>
+          <a:xfrm>
+            <a:off x="5638800" y="3992562"/>
+            <a:ext cx="0" cy="1989138"/>
+          </a:xfrm>
+          <a:prstGeom prst="line">
+            <a:avLst/>
+          </a:prstGeom>
+        </p:spPr>
+        <p:style>
+          <a:lnRef idx="1">
+            <a:schemeClr val="accent1"/>
+          </a:lnRef>
+          <a:fillRef idx="0">
+            <a:schemeClr val="accent1"/>
+          </a:fillRef>
+          <a:effectRef idx="0">
+            <a:schemeClr val="accent1"/>
+          </a:effectRef>
+          <a:fontRef idx="minor">
+            <a:schemeClr val="tx1"/>
+          </a:fontRef>
+        </p:style>
+      </p:cxnSp>
+      <p:cxnSp>
+        <p:nvCxnSpPr>
+          <p:cNvPr id="27" name="Straight Connector 26">
+            <a:extLst>
+              <a:ext uri="{FF2B5EF4-FFF2-40B4-BE49-F238E27FC236}">
+                <a16:creationId xmlns:a16="http://schemas.microsoft.com/office/drawing/2014/main" id="{5B60D21E-2BFE-4ABC-96D3-43242C1B105C}"/>
+              </a:ext>
+            </a:extLst>
+          </p:cNvPr>
+          <p:cNvCxnSpPr>
+            <a:cxnSpLocks/>
+          </p:cNvCxnSpPr>
+          <p:nvPr/>
+        </p:nvCxnSpPr>
+        <p:spPr>
+          <a:xfrm>
+            <a:off x="2724150" y="2943225"/>
+            <a:ext cx="0" cy="571500"/>
+          </a:xfrm>
+          <a:prstGeom prst="line">
+            <a:avLst/>
+          </a:prstGeom>
+        </p:spPr>
+        <p:style>
+          <a:lnRef idx="1">
+            <a:schemeClr val="accent1"/>
+          </a:lnRef>
+          <a:fillRef idx="0">
+            <a:schemeClr val="accent1"/>
+          </a:fillRef>
+          <a:effectRef idx="0">
+            <a:schemeClr val="accent1"/>
+          </a:effectRef>
+          <a:fontRef idx="minor">
+            <a:schemeClr val="tx1"/>
+          </a:fontRef>
+        </p:style>
+      </p:cxnSp>
+      <p:cxnSp>
+        <p:nvCxnSpPr>
+          <p:cNvPr id="32" name="Straight Connector 31">
+            <a:extLst>
+              <a:ext uri="{FF2B5EF4-FFF2-40B4-BE49-F238E27FC236}">
+                <a16:creationId xmlns:a16="http://schemas.microsoft.com/office/drawing/2014/main" id="{2825AF12-BD41-48F1-8B06-4D86D6F025BE}"/>
+              </a:ext>
+            </a:extLst>
+          </p:cNvPr>
+          <p:cNvCxnSpPr>
+            <a:cxnSpLocks/>
+          </p:cNvCxnSpPr>
+          <p:nvPr/>
+        </p:nvCxnSpPr>
+        <p:spPr>
+          <a:xfrm>
+            <a:off x="6705600" y="2971800"/>
+            <a:ext cx="0" cy="571500"/>
+          </a:xfrm>
+          <a:prstGeom prst="line">
+            <a:avLst/>
+          </a:prstGeom>
+        </p:spPr>
+        <p:style>
+          <a:lnRef idx="1">
+            <a:schemeClr val="accent1"/>
+          </a:lnRef>
+          <a:fillRef idx="0">
+            <a:schemeClr val="accent1"/>
+          </a:fillRef>
+          <a:effectRef idx="0">
+            <a:schemeClr val="accent1"/>
+          </a:effectRef>
+          <a:fontRef idx="minor">
+            <a:schemeClr val="tx1"/>
+          </a:fontRef>
+        </p:style>
+      </p:cxnSp>
+      <p:cxnSp>
+        <p:nvCxnSpPr>
+          <p:cNvPr id="33" name="Straight Connector 32">
+            <a:extLst>
+              <a:ext uri="{FF2B5EF4-FFF2-40B4-BE49-F238E27FC236}">
+                <a16:creationId xmlns:a16="http://schemas.microsoft.com/office/drawing/2014/main" id="{7BB7EFE8-464B-4349-9FF4-96007DEDFEE5}"/>
+              </a:ext>
+            </a:extLst>
+          </p:cNvPr>
+          <p:cNvCxnSpPr>
+            <a:cxnSpLocks/>
+          </p:cNvCxnSpPr>
+          <p:nvPr/>
+        </p:nvCxnSpPr>
+        <p:spPr>
+          <a:xfrm flipH="1">
+            <a:off x="2724150" y="3228975"/>
+            <a:ext cx="3981450" cy="0"/>
+          </a:xfrm>
+          <a:prstGeom prst="line">
+            <a:avLst/>
+          </a:prstGeom>
+        </p:spPr>
+        <p:style>
+          <a:lnRef idx="1">
+            <a:schemeClr val="accent1"/>
+          </a:lnRef>
+          <a:fillRef idx="0">
+            <a:schemeClr val="accent1"/>
+          </a:fillRef>
+          <a:effectRef idx="0">
+            <a:schemeClr val="accent1"/>
+          </a:effectRef>
+          <a:fontRef idx="minor">
+            <a:schemeClr val="tx1"/>
+          </a:fontRef>
+        </p:style>
+      </p:cxnSp>
+      <p:cxnSp>
+        <p:nvCxnSpPr>
+          <p:cNvPr id="37" name="Straight Arrow Connector 36">
+            <a:extLst>
+              <a:ext uri="{FF2B5EF4-FFF2-40B4-BE49-F238E27FC236}">
+                <a16:creationId xmlns:a16="http://schemas.microsoft.com/office/drawing/2014/main" id="{CA4200B5-37E3-4692-9CC5-7B7A30163E65}"/>
+              </a:ext>
+            </a:extLst>
+          </p:cNvPr>
+          <p:cNvCxnSpPr>
+            <a:cxnSpLocks/>
+          </p:cNvCxnSpPr>
+          <p:nvPr/>
+        </p:nvCxnSpPr>
+        <p:spPr>
+          <a:xfrm flipV="1">
+            <a:off x="4785123" y="3011269"/>
+            <a:ext cx="2405" cy="617756"/>
+          </a:xfrm>
+          <a:prstGeom prst="straightConnector1">
+            <a:avLst/>
+          </a:prstGeom>
+          <a:ln>
+            <a:headEnd type="none" w="med" len="med"/>
+            <a:tailEnd type="arrow" w="med" len="med"/>
+          </a:ln>
+        </p:spPr>
+        <p:style>
+          <a:lnRef idx="2">
+            <a:schemeClr val="dk1"/>
+          </a:lnRef>
+          <a:fillRef idx="0">
+            <a:schemeClr val="dk1"/>
+          </a:fillRef>
+          <a:effectRef idx="1">
+            <a:schemeClr val="dk1"/>
+          </a:effectRef>
+          <a:fontRef idx="minor">
+            <a:schemeClr val="tx1"/>
+          </a:fontRef>
+        </p:style>
+      </p:cxnSp>
+      <p:sp>
+        <p:nvSpPr>
+          <p:cNvPr id="38" name="TextBox 37">
+            <a:extLst>
+              <a:ext uri="{FF2B5EF4-FFF2-40B4-BE49-F238E27FC236}">
+                <a16:creationId xmlns:a16="http://schemas.microsoft.com/office/drawing/2014/main" id="{264E6275-23A1-40DF-BE1F-E78960CAE465}"/>
+              </a:ext>
+            </a:extLst>
+          </p:cNvPr>
+          <p:cNvSpPr txBox="1"/>
+          <p:nvPr/>
+        </p:nvSpPr>
+        <p:spPr>
+          <a:xfrm>
+            <a:off x="3364446" y="3053834"/>
+            <a:ext cx="753732" cy="369332"/>
+          </a:xfrm>
+          <a:prstGeom prst="rect">
+            <a:avLst/>
+          </a:prstGeom>
+          <a:solidFill>
+            <a:schemeClr val="bg1"/>
+          </a:solidFill>
+        </p:spPr>
+        <p:txBody>
+          <a:bodyPr wrap="none" rtlCol="0">
+            <a:spAutoFit/>
+          </a:bodyPr>
+          <a:lstStyle/>
+          <a:p>
+            <a:r>
+              <a:rPr lang="en-US" dirty="0">
+                <a:solidFill>
+                  <a:schemeClr val="accent1"/>
+                </a:solidFill>
+              </a:rPr>
+              <a:t>30 cm</a:t>
+            </a:r>
+          </a:p>
+        </p:txBody>
+      </p:sp>
+      <p:sp>
+        <p:nvSpPr>
+          <p:cNvPr id="39" name="TextBox 38">
+            <a:extLst>
+              <a:ext uri="{FF2B5EF4-FFF2-40B4-BE49-F238E27FC236}">
+                <a16:creationId xmlns:a16="http://schemas.microsoft.com/office/drawing/2014/main" id="{78D662DE-1BB7-4335-B89B-66D350ED6FC1}"/>
+              </a:ext>
+            </a:extLst>
+          </p:cNvPr>
+          <p:cNvSpPr txBox="1"/>
+          <p:nvPr/>
+        </p:nvSpPr>
+        <p:spPr>
+          <a:xfrm>
+            <a:off x="5392057" y="3053834"/>
+            <a:ext cx="753732" cy="369332"/>
+          </a:xfrm>
+          <a:prstGeom prst="rect">
+            <a:avLst/>
+          </a:prstGeom>
+          <a:solidFill>
+            <a:schemeClr val="bg1"/>
+          </a:solidFill>
+        </p:spPr>
+        <p:txBody>
+          <a:bodyPr wrap="none" rtlCol="0">
+            <a:spAutoFit/>
+          </a:bodyPr>
+          <a:lstStyle/>
+          <a:p>
+            <a:r>
+              <a:rPr lang="en-US" dirty="0">
+                <a:solidFill>
+                  <a:schemeClr val="accent1"/>
+                </a:solidFill>
+              </a:rPr>
+              <a:t>30 cm</a:t>
+            </a:r>
+          </a:p>
+        </p:txBody>
+      </p:sp>
+      <p:sp>
+        <p:nvSpPr>
+          <p:cNvPr id="40" name="TextBox 39">
+            <a:extLst>
+              <a:ext uri="{FF2B5EF4-FFF2-40B4-BE49-F238E27FC236}">
+                <a16:creationId xmlns:a16="http://schemas.microsoft.com/office/drawing/2014/main" id="{377E7622-D797-450C-B987-31DBB7BCB8EB}"/>
+              </a:ext>
+            </a:extLst>
+          </p:cNvPr>
+          <p:cNvSpPr txBox="1"/>
+          <p:nvPr/>
+        </p:nvSpPr>
+        <p:spPr>
+          <a:xfrm>
+            <a:off x="5268450" y="4858307"/>
+            <a:ext cx="753732" cy="369332"/>
+          </a:xfrm>
+          <a:prstGeom prst="rect">
+            <a:avLst/>
+          </a:prstGeom>
+          <a:solidFill>
+            <a:schemeClr val="bg1"/>
+          </a:solidFill>
+        </p:spPr>
+        <p:txBody>
+          <a:bodyPr wrap="none" rtlCol="0">
+            <a:spAutoFit/>
+          </a:bodyPr>
+          <a:lstStyle/>
+          <a:p>
+            <a:r>
+              <a:rPr lang="en-US" dirty="0">
+                <a:solidFill>
+                  <a:schemeClr val="accent1"/>
+                </a:solidFill>
+              </a:rPr>
+              <a:t>40 cm</a:t>
+            </a:r>
+          </a:p>
+        </p:txBody>
+      </p:sp>
+      <p:sp>
+        <p:nvSpPr>
+          <p:cNvPr id="41" name="TextBox 40">
+            <a:extLst>
+              <a:ext uri="{FF2B5EF4-FFF2-40B4-BE49-F238E27FC236}">
+                <a16:creationId xmlns:a16="http://schemas.microsoft.com/office/drawing/2014/main" id="{414CAACE-6B52-4CB7-A974-55CD89C3A5BD}"/>
+              </a:ext>
+            </a:extLst>
+          </p:cNvPr>
+          <p:cNvSpPr txBox="1"/>
+          <p:nvPr/>
+        </p:nvSpPr>
+        <p:spPr>
+          <a:xfrm>
+            <a:off x="1676400" y="4252178"/>
+            <a:ext cx="620683" cy="369332"/>
+          </a:xfrm>
+          <a:prstGeom prst="rect">
+            <a:avLst/>
+          </a:prstGeom>
+          <a:noFill/>
+        </p:spPr>
+        <p:txBody>
+          <a:bodyPr wrap="none" rtlCol="0">
+            <a:spAutoFit/>
+          </a:bodyPr>
+          <a:lstStyle/>
+          <a:p>
+            <a:r>
+              <a:rPr lang="en-US" b="1" dirty="0">
+                <a:solidFill>
+                  <a:srgbClr val="FF0000"/>
+                </a:solidFill>
+              </a:rPr>
+              <a:t>60 N</a:t>
+            </a:r>
+          </a:p>
+        </p:txBody>
+      </p:sp>
+      <p:sp>
+        <p:nvSpPr>
+          <p:cNvPr id="42" name="TextBox 41">
+            <a:extLst>
+              <a:ext uri="{FF2B5EF4-FFF2-40B4-BE49-F238E27FC236}">
+                <a16:creationId xmlns:a16="http://schemas.microsoft.com/office/drawing/2014/main" id="{2816AC99-03C6-45F2-BC16-725918799C6D}"/>
+              </a:ext>
+            </a:extLst>
+          </p:cNvPr>
+          <p:cNvSpPr txBox="1"/>
+          <p:nvPr/>
+        </p:nvSpPr>
+        <p:spPr>
+          <a:xfrm>
+            <a:off x="4733925" y="6021943"/>
+            <a:ext cx="336952" cy="369332"/>
+          </a:xfrm>
+          <a:prstGeom prst="rect">
+            <a:avLst/>
+          </a:prstGeom>
+          <a:noFill/>
+        </p:spPr>
+        <p:txBody>
+          <a:bodyPr wrap="none" rtlCol="0">
+            <a:spAutoFit/>
+          </a:bodyPr>
+          <a:lstStyle/>
+          <a:p>
+            <a:r>
+              <a:rPr lang="en-US" dirty="0"/>
+              <a:t>O</a:t>
+            </a:r>
+          </a:p>
+        </p:txBody>
+      </p:sp>
+    </p:spTree>
+    <p:extLst>
+      <p:ext uri="{BB962C8B-B14F-4D97-AF65-F5344CB8AC3E}">
+        <p14:creationId xmlns:p14="http://schemas.microsoft.com/office/powerpoint/2010/main" val="3165652916"/>
+      </p:ext>
+    </p:extLst>
+  </p:cSld>
+  <p:clrMapOvr>
+    <a:masterClrMapping/>
+  </p:clrMapOvr>
+</p:sld>
+</file>
+
+<file path=ppt/slides/slide11.xml><?xml version="1.0" encoding="utf-8"?>
+<p:sld xmlns:a="http://schemas.openxmlformats.org/drawingml/2006/main" xmlns:r="http://schemas.openxmlformats.org/officeDocument/2006/relationships" xmlns:p="http://schemas.openxmlformats.org/presentationml/2006/main">
+  <p:cSld>
+    <p:spTree>
+      <p:nvGrpSpPr>
+        <p:cNvPr id="1" name=""/>
+        <p:cNvGrpSpPr/>
+        <p:nvPr/>
+      </p:nvGrpSpPr>
+      <p:grpSpPr>
+        <a:xfrm>
+          <a:off x="0" y="0"/>
+          <a:ext cx="0" cy="0"/>
+          <a:chOff x="0" y="0"/>
+          <a:chExt cx="0" cy="0"/>
+        </a:xfrm>
+      </p:grpSpPr>
+      <p:sp>
+        <p:nvSpPr>
+          <p:cNvPr id="2" name="Title 1"/>
+          <p:cNvSpPr>
+            <a:spLocks noGrp="1"/>
+          </p:cNvSpPr>
+          <p:nvPr>
+            <p:ph type="title"/>
+          </p:nvPr>
+        </p:nvSpPr>
+        <p:spPr/>
+        <p:txBody>
+          <a:bodyPr>
+            <a:normAutofit fontScale="90000"/>
+          </a:bodyPr>
+          <a:lstStyle/>
+          <a:p>
+            <a:r>
+              <a:rPr lang="en-US" dirty="0"/>
+              <a:t>Moment of a Force About a Point</a:t>
+            </a:r>
+            <a:br>
+              <a:rPr lang="en-US" dirty="0"/>
+            </a:br>
+            <a:r>
+              <a:rPr lang="en-US" dirty="0"/>
+              <a:t>Worked Example</a:t>
+            </a:r>
+          </a:p>
+        </p:txBody>
+      </p:sp>
+      <p:sp>
+        <p:nvSpPr>
+          <p:cNvPr id="3" name="Content Placeholder 2"/>
+          <p:cNvSpPr>
+            <a:spLocks noGrp="1"/>
+          </p:cNvSpPr>
+          <p:nvPr>
+            <p:ph idx="1"/>
+          </p:nvPr>
+        </p:nvSpPr>
+        <p:spPr>
+          <a:xfrm>
+            <a:off x="457200" y="1600199"/>
+            <a:ext cx="3276600" cy="4876801"/>
+          </a:xfrm>
+        </p:spPr>
+        <p:txBody>
+          <a:bodyPr>
+            <a:normAutofit fontScale="85000" lnSpcReduction="20000"/>
+          </a:bodyPr>
+          <a:lstStyle/>
+          <a:p>
+            <a:r>
+              <a:rPr lang="en-US" dirty="0"/>
+              <a:t>A cable attached to the top of a pole as shown below carries a 3000 lb tension force.</a:t>
+            </a:r>
+          </a:p>
+          <a:p>
+            <a:pPr lvl="1"/>
+            <a:r>
+              <a:rPr lang="en-US" dirty="0"/>
+              <a:t>What is the moment vector this causes about the base of the pole?</a:t>
+            </a:r>
+          </a:p>
+          <a:p>
+            <a:pPr lvl="1"/>
+            <a:r>
+              <a:rPr lang="en-US" dirty="0"/>
+              <a:t>What is the overall magnitude of the moment about the base of the pole?</a:t>
+            </a:r>
+          </a:p>
+        </p:txBody>
+      </p:sp>
+      <p:sp>
+        <p:nvSpPr>
+          <p:cNvPr id="4" name="Slide Number Placeholder 3"/>
+          <p:cNvSpPr>
+            <a:spLocks noGrp="1"/>
+          </p:cNvSpPr>
+          <p:nvPr>
+            <p:ph type="sldNum" sz="quarter" idx="12"/>
+          </p:nvPr>
+        </p:nvSpPr>
+        <p:spPr/>
+        <p:txBody>
+          <a:bodyPr/>
+          <a:lstStyle/>
+          <a:p>
+            <a:fld id="{929262FE-7F58-4A1E-8AF3-5A510A86DEBD}" type="slidenum">
+              <a:rPr lang="en-US" smtClean="0"/>
+              <a:t>11</a:t>
+            </a:fld>
+            <a:endParaRPr lang="en-US"/>
+          </a:p>
+        </p:txBody>
+      </p:sp>
+      <p:pic>
+        <p:nvPicPr>
+          <p:cNvPr id="3074" name="Picture 2" descr="Problem 2 Diagram"/>
+          <p:cNvPicPr>
+            <a:picLocks noChangeAspect="1" noChangeArrowheads="1"/>
+          </p:cNvPicPr>
+          <p:nvPr/>
+        </p:nvPicPr>
+        <p:blipFill>
+          <a:blip r:embed="rId2">
+            <a:extLst>
+              <a:ext uri="{28A0092B-C50C-407E-A947-70E740481C1C}">
+                <a14:useLocalDpi xmlns:a14="http://schemas.microsoft.com/office/drawing/2010/main" val="0"/>
+              </a:ext>
+            </a:extLst>
+          </a:blip>
+          <a:srcRect/>
+          <a:stretch>
+            <a:fillRect/>
+          </a:stretch>
+        </p:blipFill>
+        <p:spPr bwMode="auto">
+          <a:xfrm>
+            <a:off x="3733800" y="1905000"/>
+            <a:ext cx="5171575" cy="4298154"/>
+          </a:xfrm>
+          <a:prstGeom prst="rect">
+            <a:avLst/>
+          </a:prstGeom>
+          <a:noFill/>
+          <a:extLst>
+            <a:ext uri="{909E8E84-426E-40DD-AFC4-6F175D3DCCD1}">
+              <a14:hiddenFill xmlns:a14="http://schemas.microsoft.com/office/drawing/2010/main">
+                <a:solidFill>
+                  <a:srgbClr val="FFFFFF"/>
+                </a:solidFill>
+              </a14:hiddenFill>
+            </a:ext>
+          </a:extLst>
+        </p:spPr>
+      </p:pic>
+    </p:spTree>
+    <p:extLst>
+      <p:ext uri="{BB962C8B-B14F-4D97-AF65-F5344CB8AC3E}">
+        <p14:creationId xmlns:p14="http://schemas.microsoft.com/office/powerpoint/2010/main" val="1308225160"/>
+      </p:ext>
+    </p:extLst>
+  </p:cSld>
+  <p:clrMapOvr>
+    <a:masterClrMapping/>
+  </p:clrMapOvr>
+</p:sld>
+</file>
+
 <file path=ppt/slides/slide2.xml><?xml version="1.0" encoding="utf-8"?>
 <p:sld xmlns:a="http://schemas.openxmlformats.org/drawingml/2006/main" xmlns:r="http://schemas.openxmlformats.org/officeDocument/2006/relationships" xmlns:p="http://schemas.openxmlformats.org/presentationml/2006/main">
   <p:cSld>
@@ -4211,8 +5226,8 @@
           </a:p>
         </p:txBody>
       </p:sp>
-      <mc:AlternateContent xmlns:mc="http://schemas.openxmlformats.org/markup-compatibility/2006">
-        <mc:Choice xmlns:a14="http://schemas.microsoft.com/office/drawing/2010/main" Requires="a14">
+      <mc:AlternateContent xmlns:mc="http://schemas.openxmlformats.org/markup-compatibility/2006" xmlns:a14="http://schemas.microsoft.com/office/drawing/2010/main">
+        <mc:Choice Requires="a14">
           <p:sp>
             <p:nvSpPr>
               <p:cNvPr id="3" name="Content Placeholder 2">
@@ -4329,7 +5344,7 @@
             </p:txBody>
           </p:sp>
         </mc:Choice>
-        <mc:Fallback>
+        <mc:Fallback xmlns="">
           <p:sp>
             <p:nvSpPr>
               <p:cNvPr id="3" name="Content Placeholder 2">
@@ -6928,6 +7943,612 @@
           <a:chExt cx="0" cy="0"/>
         </a:xfrm>
       </p:grpSpPr>
+      <p:sp>
+        <p:nvSpPr>
+          <p:cNvPr id="2" name="Title 1">
+            <a:extLst>
+              <a:ext uri="{FF2B5EF4-FFF2-40B4-BE49-F238E27FC236}">
+                <a16:creationId xmlns:a16="http://schemas.microsoft.com/office/drawing/2014/main" id="{6BDC827D-CB52-4A22-ABF8-9B8D02EBEF0B}"/>
+              </a:ext>
+            </a:extLst>
+          </p:cNvPr>
+          <p:cNvSpPr>
+            <a:spLocks noGrp="1"/>
+          </p:cNvSpPr>
+          <p:nvPr>
+            <p:ph type="title"/>
+          </p:nvPr>
+        </p:nvSpPr>
+        <p:spPr/>
+        <p:txBody>
+          <a:bodyPr>
+            <a:normAutofit fontScale="90000"/>
+          </a:bodyPr>
+          <a:lstStyle/>
+          <a:p>
+            <a:r>
+              <a:rPr lang="en-US" dirty="0"/>
+              <a:t>Moment of a Force About a Point</a:t>
+            </a:r>
+            <a:br>
+              <a:rPr lang="en-US" dirty="0"/>
+            </a:br>
+            <a:r>
+              <a:rPr lang="en-US" dirty="0"/>
+              <a:t>Worked Example</a:t>
+            </a:r>
+          </a:p>
+        </p:txBody>
+      </p:sp>
+      <p:sp>
+        <p:nvSpPr>
+          <p:cNvPr id="3" name="Content Placeholder 2">
+            <a:extLst>
+              <a:ext uri="{FF2B5EF4-FFF2-40B4-BE49-F238E27FC236}">
+                <a16:creationId xmlns:a16="http://schemas.microsoft.com/office/drawing/2014/main" id="{51770130-E7DE-40E3-AD7E-C72F375032A6}"/>
+              </a:ext>
+            </a:extLst>
+          </p:cNvPr>
+          <p:cNvSpPr>
+            <a:spLocks noGrp="1"/>
+          </p:cNvSpPr>
+          <p:nvPr>
+            <p:ph idx="1"/>
+          </p:nvPr>
+        </p:nvSpPr>
+        <p:spPr>
+          <a:xfrm>
+            <a:off x="457200" y="1600200"/>
+            <a:ext cx="8229600" cy="1143001"/>
+          </a:xfrm>
+        </p:spPr>
+        <p:txBody>
+          <a:bodyPr>
+            <a:normAutofit fontScale="92500"/>
+          </a:bodyPr>
+          <a:lstStyle/>
+          <a:p>
+            <a:r>
+              <a:rPr lang="en-US" dirty="0"/>
+              <a:t>What is the magnitude of the moment that the force shown below force exerts about point O?</a:t>
+            </a:r>
+          </a:p>
+        </p:txBody>
+      </p:sp>
+      <p:sp>
+        <p:nvSpPr>
+          <p:cNvPr id="4" name="Slide Number Placeholder 3">
+            <a:extLst>
+              <a:ext uri="{FF2B5EF4-FFF2-40B4-BE49-F238E27FC236}">
+                <a16:creationId xmlns:a16="http://schemas.microsoft.com/office/drawing/2014/main" id="{CC1CBBAD-A76B-4CAC-A94D-038863008084}"/>
+              </a:ext>
+            </a:extLst>
+          </p:cNvPr>
+          <p:cNvSpPr>
+            <a:spLocks noGrp="1"/>
+          </p:cNvSpPr>
+          <p:nvPr>
+            <p:ph type="sldNum" sz="quarter" idx="12"/>
+          </p:nvPr>
+        </p:nvSpPr>
+        <p:spPr/>
+        <p:txBody>
+          <a:bodyPr/>
+          <a:lstStyle/>
+          <a:p>
+            <a:fld id="{929262FE-7F58-4A1E-8AF3-5A510A86DEBD}" type="slidenum">
+              <a:rPr lang="en-US" smtClean="0"/>
+              <a:t>8</a:t>
+            </a:fld>
+            <a:endParaRPr lang="en-US"/>
+          </a:p>
+        </p:txBody>
+      </p:sp>
+      <p:pic>
+        <p:nvPicPr>
+          <p:cNvPr id="6" name="Picture 2" descr="http://sweetclipart.com/multisite/sweetclipart/files/refrigerator_outline.png">
+            <a:extLst>
+              <a:ext uri="{FF2B5EF4-FFF2-40B4-BE49-F238E27FC236}">
+                <a16:creationId xmlns:a16="http://schemas.microsoft.com/office/drawing/2014/main" id="{715E0A4F-DE0E-4AEB-A26A-865017E08E75}"/>
+              </a:ext>
+            </a:extLst>
+          </p:cNvPr>
+          <p:cNvPicPr>
+            <a:picLocks noChangeAspect="1" noChangeArrowheads="1"/>
+          </p:cNvPicPr>
+          <p:nvPr/>
+        </p:nvPicPr>
+        <p:blipFill>
+          <a:blip r:embed="rId2" cstate="print">
+            <a:extLst>
+              <a:ext uri="{28A0092B-C50C-407E-A947-70E740481C1C}">
+                <a14:useLocalDpi xmlns:a14="http://schemas.microsoft.com/office/drawing/2010/main" val="0"/>
+              </a:ext>
+            </a:extLst>
+          </a:blip>
+          <a:srcRect/>
+          <a:stretch>
+            <a:fillRect/>
+          </a:stretch>
+        </p:blipFill>
+        <p:spPr bwMode="auto">
+          <a:xfrm>
+            <a:off x="3505200" y="3167062"/>
+            <a:ext cx="1738000" cy="3371850"/>
+          </a:xfrm>
+          <a:prstGeom prst="rect">
+            <a:avLst/>
+          </a:prstGeom>
+          <a:noFill/>
+          <a:extLst>
+            <a:ext uri="{909E8E84-426E-40DD-AFC4-6F175D3DCCD1}">
+              <a14:hiddenFill xmlns:a14="http://schemas.microsoft.com/office/drawing/2010/main">
+                <a:solidFill>
+                  <a:srgbClr val="FFFFFF"/>
+                </a:solidFill>
+              </a14:hiddenFill>
+            </a:ext>
+          </a:extLst>
+        </p:spPr>
+      </p:pic>
+      <p:cxnSp>
+        <p:nvCxnSpPr>
+          <p:cNvPr id="7" name="Straight Connector 6">
+            <a:extLst>
+              <a:ext uri="{FF2B5EF4-FFF2-40B4-BE49-F238E27FC236}">
+                <a16:creationId xmlns:a16="http://schemas.microsoft.com/office/drawing/2014/main" id="{265888A9-6C49-45A0-919C-A47A191601AF}"/>
+              </a:ext>
+            </a:extLst>
+          </p:cNvPr>
+          <p:cNvCxnSpPr>
+            <a:cxnSpLocks/>
+          </p:cNvCxnSpPr>
+          <p:nvPr/>
+        </p:nvCxnSpPr>
+        <p:spPr>
+          <a:xfrm>
+            <a:off x="5562600" y="3167062"/>
+            <a:ext cx="0" cy="3355420"/>
+          </a:xfrm>
+          <a:prstGeom prst="line">
+            <a:avLst/>
+          </a:prstGeom>
+        </p:spPr>
+        <p:style>
+          <a:lnRef idx="1">
+            <a:schemeClr val="accent1"/>
+          </a:lnRef>
+          <a:fillRef idx="0">
+            <a:schemeClr val="accent1"/>
+          </a:fillRef>
+          <a:effectRef idx="0">
+            <a:schemeClr val="accent1"/>
+          </a:effectRef>
+          <a:fontRef idx="minor">
+            <a:schemeClr val="tx1"/>
+          </a:fontRef>
+        </p:style>
+      </p:cxnSp>
+      <p:sp>
+        <p:nvSpPr>
+          <p:cNvPr id="9" name="TextBox 8">
+            <a:extLst>
+              <a:ext uri="{FF2B5EF4-FFF2-40B4-BE49-F238E27FC236}">
+                <a16:creationId xmlns:a16="http://schemas.microsoft.com/office/drawing/2014/main" id="{B1FB04D2-7952-4B6E-8372-9308222CE350}"/>
+              </a:ext>
+            </a:extLst>
+          </p:cNvPr>
+          <p:cNvSpPr txBox="1"/>
+          <p:nvPr/>
+        </p:nvSpPr>
+        <p:spPr>
+          <a:xfrm>
+            <a:off x="5225648" y="6183868"/>
+            <a:ext cx="336952" cy="369332"/>
+          </a:xfrm>
+          <a:prstGeom prst="rect">
+            <a:avLst/>
+          </a:prstGeom>
+          <a:noFill/>
+        </p:spPr>
+        <p:txBody>
+          <a:bodyPr wrap="none" rtlCol="0">
+            <a:spAutoFit/>
+          </a:bodyPr>
+          <a:lstStyle/>
+          <a:p>
+            <a:r>
+              <a:rPr lang="en-US" dirty="0"/>
+              <a:t>O</a:t>
+            </a:r>
+          </a:p>
+        </p:txBody>
+      </p:sp>
+      <p:cxnSp>
+        <p:nvCxnSpPr>
+          <p:cNvPr id="13" name="Straight Connector 12">
+            <a:extLst>
+              <a:ext uri="{FF2B5EF4-FFF2-40B4-BE49-F238E27FC236}">
+                <a16:creationId xmlns:a16="http://schemas.microsoft.com/office/drawing/2014/main" id="{47CF3115-955B-44AC-88F6-CEA79B22DD95}"/>
+              </a:ext>
+            </a:extLst>
+          </p:cNvPr>
+          <p:cNvCxnSpPr>
+            <a:cxnSpLocks/>
+          </p:cNvCxnSpPr>
+          <p:nvPr/>
+        </p:nvCxnSpPr>
+        <p:spPr>
+          <a:xfrm flipH="1">
+            <a:off x="5357813" y="3167062"/>
+            <a:ext cx="509587" cy="0"/>
+          </a:xfrm>
+          <a:prstGeom prst="line">
+            <a:avLst/>
+          </a:prstGeom>
+        </p:spPr>
+        <p:style>
+          <a:lnRef idx="1">
+            <a:schemeClr val="accent1"/>
+          </a:lnRef>
+          <a:fillRef idx="0">
+            <a:schemeClr val="accent1"/>
+          </a:fillRef>
+          <a:effectRef idx="0">
+            <a:schemeClr val="accent1"/>
+          </a:effectRef>
+          <a:fontRef idx="minor">
+            <a:schemeClr val="tx1"/>
+          </a:fontRef>
+        </p:style>
+      </p:cxnSp>
+      <p:cxnSp>
+        <p:nvCxnSpPr>
+          <p:cNvPr id="15" name="Straight Connector 14">
+            <a:extLst>
+              <a:ext uri="{FF2B5EF4-FFF2-40B4-BE49-F238E27FC236}">
+                <a16:creationId xmlns:a16="http://schemas.microsoft.com/office/drawing/2014/main" id="{0591D144-9BCE-49EF-B46B-BBBC80773AB6}"/>
+              </a:ext>
+            </a:extLst>
+          </p:cNvPr>
+          <p:cNvCxnSpPr>
+            <a:cxnSpLocks/>
+          </p:cNvCxnSpPr>
+          <p:nvPr/>
+        </p:nvCxnSpPr>
+        <p:spPr>
+          <a:xfrm flipH="1">
+            <a:off x="5357813" y="6538912"/>
+            <a:ext cx="509587" cy="0"/>
+          </a:xfrm>
+          <a:prstGeom prst="line">
+            <a:avLst/>
+          </a:prstGeom>
+        </p:spPr>
+        <p:style>
+          <a:lnRef idx="1">
+            <a:schemeClr val="accent1"/>
+          </a:lnRef>
+          <a:fillRef idx="0">
+            <a:schemeClr val="accent1"/>
+          </a:fillRef>
+          <a:effectRef idx="0">
+            <a:schemeClr val="accent1"/>
+          </a:effectRef>
+          <a:fontRef idx="minor">
+            <a:schemeClr val="tx1"/>
+          </a:fontRef>
+        </p:style>
+      </p:cxnSp>
+      <p:cxnSp>
+        <p:nvCxnSpPr>
+          <p:cNvPr id="18" name="Straight Connector 17">
+            <a:extLst>
+              <a:ext uri="{FF2B5EF4-FFF2-40B4-BE49-F238E27FC236}">
+                <a16:creationId xmlns:a16="http://schemas.microsoft.com/office/drawing/2014/main" id="{524956C2-16D5-49BE-A2E5-3DAAA504312A}"/>
+              </a:ext>
+            </a:extLst>
+          </p:cNvPr>
+          <p:cNvCxnSpPr>
+            <a:cxnSpLocks/>
+          </p:cNvCxnSpPr>
+          <p:nvPr/>
+        </p:nvCxnSpPr>
+        <p:spPr>
+          <a:xfrm>
+            <a:off x="3514724" y="2688431"/>
+            <a:ext cx="1" cy="423862"/>
+          </a:xfrm>
+          <a:prstGeom prst="line">
+            <a:avLst/>
+          </a:prstGeom>
+        </p:spPr>
+        <p:style>
+          <a:lnRef idx="1">
+            <a:schemeClr val="accent1"/>
+          </a:lnRef>
+          <a:fillRef idx="0">
+            <a:schemeClr val="accent1"/>
+          </a:fillRef>
+          <a:effectRef idx="0">
+            <a:schemeClr val="accent1"/>
+          </a:effectRef>
+          <a:fontRef idx="minor">
+            <a:schemeClr val="tx1"/>
+          </a:fontRef>
+        </p:style>
+      </p:cxnSp>
+      <p:cxnSp>
+        <p:nvCxnSpPr>
+          <p:cNvPr id="20" name="Straight Connector 19">
+            <a:extLst>
+              <a:ext uri="{FF2B5EF4-FFF2-40B4-BE49-F238E27FC236}">
+                <a16:creationId xmlns:a16="http://schemas.microsoft.com/office/drawing/2014/main" id="{D04EB901-185E-4467-BAA2-AB9E5474CA66}"/>
+              </a:ext>
+            </a:extLst>
+          </p:cNvPr>
+          <p:cNvCxnSpPr>
+            <a:cxnSpLocks/>
+          </p:cNvCxnSpPr>
+          <p:nvPr/>
+        </p:nvCxnSpPr>
+        <p:spPr>
+          <a:xfrm>
+            <a:off x="5229224" y="2659856"/>
+            <a:ext cx="1" cy="423862"/>
+          </a:xfrm>
+          <a:prstGeom prst="line">
+            <a:avLst/>
+          </a:prstGeom>
+        </p:spPr>
+        <p:style>
+          <a:lnRef idx="1">
+            <a:schemeClr val="accent1"/>
+          </a:lnRef>
+          <a:fillRef idx="0">
+            <a:schemeClr val="accent1"/>
+          </a:fillRef>
+          <a:effectRef idx="0">
+            <a:schemeClr val="accent1"/>
+          </a:effectRef>
+          <a:fontRef idx="minor">
+            <a:schemeClr val="tx1"/>
+          </a:fontRef>
+        </p:style>
+      </p:cxnSp>
+      <p:cxnSp>
+        <p:nvCxnSpPr>
+          <p:cNvPr id="21" name="Straight Connector 20">
+            <a:extLst>
+              <a:ext uri="{FF2B5EF4-FFF2-40B4-BE49-F238E27FC236}">
+                <a16:creationId xmlns:a16="http://schemas.microsoft.com/office/drawing/2014/main" id="{4760E580-6568-4D42-A01A-8354732B17BD}"/>
+              </a:ext>
+            </a:extLst>
+          </p:cNvPr>
+          <p:cNvCxnSpPr>
+            <a:cxnSpLocks/>
+          </p:cNvCxnSpPr>
+          <p:nvPr/>
+        </p:nvCxnSpPr>
+        <p:spPr>
+          <a:xfrm>
+            <a:off x="3514724" y="2900362"/>
+            <a:ext cx="1714500" cy="0"/>
+          </a:xfrm>
+          <a:prstGeom prst="line">
+            <a:avLst/>
+          </a:prstGeom>
+        </p:spPr>
+        <p:style>
+          <a:lnRef idx="1">
+            <a:schemeClr val="accent1"/>
+          </a:lnRef>
+          <a:fillRef idx="0">
+            <a:schemeClr val="accent1"/>
+          </a:fillRef>
+          <a:effectRef idx="0">
+            <a:schemeClr val="accent1"/>
+          </a:effectRef>
+          <a:fontRef idx="minor">
+            <a:schemeClr val="tx1"/>
+          </a:fontRef>
+        </p:style>
+      </p:cxnSp>
+      <p:sp>
+        <p:nvSpPr>
+          <p:cNvPr id="8" name="TextBox 7">
+            <a:extLst>
+              <a:ext uri="{FF2B5EF4-FFF2-40B4-BE49-F238E27FC236}">
+                <a16:creationId xmlns:a16="http://schemas.microsoft.com/office/drawing/2014/main" id="{1F12184B-46D4-4E9B-AC65-C7EAADC5FC92}"/>
+              </a:ext>
+            </a:extLst>
+          </p:cNvPr>
+          <p:cNvSpPr txBox="1"/>
+          <p:nvPr/>
+        </p:nvSpPr>
+        <p:spPr>
+          <a:xfrm>
+            <a:off x="4102509" y="2732365"/>
+            <a:ext cx="538930" cy="369332"/>
+          </a:xfrm>
+          <a:prstGeom prst="rect">
+            <a:avLst/>
+          </a:prstGeom>
+          <a:solidFill>
+            <a:schemeClr val="bg1"/>
+          </a:solidFill>
+        </p:spPr>
+        <p:txBody>
+          <a:bodyPr wrap="none" rtlCol="0">
+            <a:spAutoFit/>
+          </a:bodyPr>
+          <a:lstStyle/>
+          <a:p>
+            <a:r>
+              <a:rPr lang="en-US" dirty="0">
+                <a:solidFill>
+                  <a:schemeClr val="accent1"/>
+                </a:solidFill>
+              </a:rPr>
+              <a:t>1 m</a:t>
+            </a:r>
+          </a:p>
+        </p:txBody>
+      </p:sp>
+      <p:sp>
+        <p:nvSpPr>
+          <p:cNvPr id="24" name="TextBox 23">
+            <a:extLst>
+              <a:ext uri="{FF2B5EF4-FFF2-40B4-BE49-F238E27FC236}">
+                <a16:creationId xmlns:a16="http://schemas.microsoft.com/office/drawing/2014/main" id="{89C9764B-7BB2-4B3C-A842-ACF4C3268FF8}"/>
+              </a:ext>
+            </a:extLst>
+          </p:cNvPr>
+          <p:cNvSpPr txBox="1"/>
+          <p:nvPr/>
+        </p:nvSpPr>
+        <p:spPr>
+          <a:xfrm>
+            <a:off x="5243200" y="4668321"/>
+            <a:ext cx="713657" cy="369332"/>
+          </a:xfrm>
+          <a:prstGeom prst="rect">
+            <a:avLst/>
+          </a:prstGeom>
+          <a:solidFill>
+            <a:schemeClr val="bg1"/>
+          </a:solidFill>
+        </p:spPr>
+        <p:txBody>
+          <a:bodyPr wrap="none" rtlCol="0">
+            <a:spAutoFit/>
+          </a:bodyPr>
+          <a:lstStyle/>
+          <a:p>
+            <a:r>
+              <a:rPr lang="en-US" dirty="0">
+                <a:solidFill>
+                  <a:schemeClr val="accent1"/>
+                </a:solidFill>
+              </a:rPr>
+              <a:t>1.8 m</a:t>
+            </a:r>
+          </a:p>
+        </p:txBody>
+      </p:sp>
+      <p:cxnSp>
+        <p:nvCxnSpPr>
+          <p:cNvPr id="25" name="Straight Arrow Connector 24">
+            <a:extLst>
+              <a:ext uri="{FF2B5EF4-FFF2-40B4-BE49-F238E27FC236}">
+                <a16:creationId xmlns:a16="http://schemas.microsoft.com/office/drawing/2014/main" id="{14E60453-F4C9-4EA8-A667-A9DF4A0E51B9}"/>
+              </a:ext>
+            </a:extLst>
+          </p:cNvPr>
+          <p:cNvCxnSpPr>
+            <a:cxnSpLocks/>
+          </p:cNvCxnSpPr>
+          <p:nvPr/>
+        </p:nvCxnSpPr>
+        <p:spPr>
+          <a:xfrm>
+            <a:off x="2590800" y="3167062"/>
+            <a:ext cx="838200" cy="0"/>
+          </a:xfrm>
+          <a:prstGeom prst="straightConnector1">
+            <a:avLst/>
+          </a:prstGeom>
+          <a:ln>
+            <a:solidFill>
+              <a:srgbClr val="FF0000"/>
+            </a:solidFill>
+            <a:tailEnd type="triangle"/>
+          </a:ln>
+        </p:spPr>
+        <p:style>
+          <a:lnRef idx="3">
+            <a:schemeClr val="accent2"/>
+          </a:lnRef>
+          <a:fillRef idx="0">
+            <a:schemeClr val="accent2"/>
+          </a:fillRef>
+          <a:effectRef idx="2">
+            <a:schemeClr val="accent2"/>
+          </a:effectRef>
+          <a:fontRef idx="minor">
+            <a:schemeClr val="tx1"/>
+          </a:fontRef>
+        </p:style>
+      </p:cxnSp>
+      <p:sp>
+        <p:nvSpPr>
+          <p:cNvPr id="26" name="TextBox 25">
+            <a:extLst>
+              <a:ext uri="{FF2B5EF4-FFF2-40B4-BE49-F238E27FC236}">
+                <a16:creationId xmlns:a16="http://schemas.microsoft.com/office/drawing/2014/main" id="{A00CF974-6D2C-4B9B-B9A2-ACF719E69F49}"/>
+              </a:ext>
+            </a:extLst>
+          </p:cNvPr>
+          <p:cNvSpPr txBox="1"/>
+          <p:nvPr/>
+        </p:nvSpPr>
+        <p:spPr>
+          <a:xfrm>
+            <a:off x="1970117" y="2982396"/>
+            <a:ext cx="620683" cy="369332"/>
+          </a:xfrm>
+          <a:prstGeom prst="rect">
+            <a:avLst/>
+          </a:prstGeom>
+          <a:noFill/>
+        </p:spPr>
+        <p:txBody>
+          <a:bodyPr wrap="square" rtlCol="0">
+            <a:spAutoFit/>
+          </a:bodyPr>
+          <a:lstStyle/>
+          <a:p>
+            <a:r>
+              <a:rPr lang="en-US" b="1" dirty="0">
+                <a:solidFill>
+                  <a:srgbClr val="FF0000"/>
+                </a:solidFill>
+              </a:rPr>
+              <a:t>50 N</a:t>
+            </a:r>
+          </a:p>
+        </p:txBody>
+      </p:sp>
+    </p:spTree>
+    <p:extLst>
+      <p:ext uri="{BB962C8B-B14F-4D97-AF65-F5344CB8AC3E}">
+        <p14:creationId xmlns:p14="http://schemas.microsoft.com/office/powerpoint/2010/main" val="4068144309"/>
+      </p:ext>
+    </p:extLst>
+  </p:cSld>
+  <p:clrMapOvr>
+    <a:masterClrMapping/>
+  </p:clrMapOvr>
+</p:sld>
+</file>
+
+<file path=ppt/slides/slide9.xml><?xml version="1.0" encoding="utf-8"?>
+<p:sld xmlns:a="http://schemas.openxmlformats.org/drawingml/2006/main" xmlns:r="http://schemas.openxmlformats.org/officeDocument/2006/relationships" xmlns:p="http://schemas.openxmlformats.org/presentationml/2006/main">
+  <p:cSld>
+    <p:spTree>
+      <p:nvGrpSpPr>
+        <p:cNvPr id="1" name=""/>
+        <p:cNvGrpSpPr/>
+        <p:nvPr/>
+      </p:nvGrpSpPr>
+      <p:grpSpPr>
+        <a:xfrm>
+          <a:off x="0" y="0"/>
+          <a:ext cx="0" cy="0"/>
+          <a:chOff x="0" y="0"/>
+          <a:chExt cx="0" cy="0"/>
+        </a:xfrm>
+      </p:grpSpPr>
       <p:pic>
         <p:nvPicPr>
           <p:cNvPr id="1026" name="Picture 2" descr="Problem 1 Diagram">
@@ -7000,7 +8621,7 @@
           <a:p>
             <a:r>
               <a:rPr lang="en-US" dirty="0"/>
-              <a:t>Moment About a Point</a:t>
+              <a:t>Moment of a Force About a Point</a:t>
             </a:r>
             <a:br>
               <a:rPr lang="en-US" dirty="0"/>
@@ -7035,12 +8656,28 @@
           </a:xfrm>
         </p:spPr>
         <p:txBody>
-          <a:bodyPr/>
+          <a:bodyPr>
+            <a:normAutofit lnSpcReduction="10000"/>
+          </a:bodyPr>
           <a:lstStyle/>
           <a:p>
             <a:r>
               <a:rPr lang="en-US" dirty="0"/>
-              <a:t>What is the moment that this force exerts about point A? What is the moment this force exerts about point B?</a:t>
+              <a:t>What is the magnitude of the moment that this force exerts…</a:t>
+            </a:r>
+          </a:p>
+          <a:p>
+            <a:pPr lvl="1"/>
+            <a:r>
+              <a:rPr lang="en-US" dirty="0"/>
+              <a:t>about point A?</a:t>
+            </a:r>
+          </a:p>
+          <a:p>
+            <a:pPr lvl="1"/>
+            <a:r>
+              <a:rPr lang="en-US" dirty="0"/>
+              <a:t>about point B?</a:t>
             </a:r>
           </a:p>
         </p:txBody>
@@ -7068,7 +8705,7 @@
           <a:p>
             <a:fld id="{929262FE-7F58-4A1E-8AF3-5A510A86DEBD}" type="slidenum">
               <a:rPr lang="en-US" smtClean="0"/>
-              <a:t>8</a:t>
+              <a:t>9</a:t>
             </a:fld>
             <a:endParaRPr lang="en-US"/>
           </a:p>
@@ -7078,160 +8715,6 @@
     <p:extLst>
       <p:ext uri="{BB962C8B-B14F-4D97-AF65-F5344CB8AC3E}">
         <p14:creationId xmlns:p14="http://schemas.microsoft.com/office/powerpoint/2010/main" val="2410688403"/>
-      </p:ext>
-    </p:extLst>
-  </p:cSld>
-  <p:clrMapOvr>
-    <a:masterClrMapping/>
-  </p:clrMapOvr>
-</p:sld>
-</file>
-
-<file path=ppt/slides/slide9.xml><?xml version="1.0" encoding="utf-8"?>
-<p:sld xmlns:a="http://schemas.openxmlformats.org/drawingml/2006/main" xmlns:r="http://schemas.openxmlformats.org/officeDocument/2006/relationships" xmlns:p="http://schemas.openxmlformats.org/presentationml/2006/main">
-  <p:cSld>
-    <p:spTree>
-      <p:nvGrpSpPr>
-        <p:cNvPr id="1" name=""/>
-        <p:cNvGrpSpPr/>
-        <p:nvPr/>
-      </p:nvGrpSpPr>
-      <p:grpSpPr>
-        <a:xfrm>
-          <a:off x="0" y="0"/>
-          <a:ext cx="0" cy="0"/>
-          <a:chOff x="0" y="0"/>
-          <a:chExt cx="0" cy="0"/>
-        </a:xfrm>
-      </p:grpSpPr>
-      <p:sp>
-        <p:nvSpPr>
-          <p:cNvPr id="2" name="Title 1"/>
-          <p:cNvSpPr>
-            <a:spLocks noGrp="1"/>
-          </p:cNvSpPr>
-          <p:nvPr>
-            <p:ph type="title"/>
-          </p:nvPr>
-        </p:nvSpPr>
-        <p:spPr/>
-        <p:txBody>
-          <a:bodyPr>
-            <a:normAutofit fontScale="90000"/>
-          </a:bodyPr>
-          <a:lstStyle/>
-          <a:p>
-            <a:r>
-              <a:rPr lang="en-US" dirty="0"/>
-              <a:t>Moment About a Point</a:t>
-            </a:r>
-            <a:br>
-              <a:rPr lang="en-US" dirty="0"/>
-            </a:br>
-            <a:r>
-              <a:rPr lang="en-US" dirty="0"/>
-              <a:t>Worked Example</a:t>
-            </a:r>
-          </a:p>
-        </p:txBody>
-      </p:sp>
-      <p:sp>
-        <p:nvSpPr>
-          <p:cNvPr id="3" name="Content Placeholder 2"/>
-          <p:cNvSpPr>
-            <a:spLocks noGrp="1"/>
-          </p:cNvSpPr>
-          <p:nvPr>
-            <p:ph idx="1"/>
-          </p:nvPr>
-        </p:nvSpPr>
-        <p:spPr>
-          <a:xfrm>
-            <a:off x="457200" y="1600199"/>
-            <a:ext cx="3048000" cy="5121275"/>
-          </a:xfrm>
-        </p:spPr>
-        <p:txBody>
-          <a:bodyPr>
-            <a:normAutofit/>
-          </a:bodyPr>
-          <a:lstStyle/>
-          <a:p>
-            <a:r>
-              <a:rPr lang="en-US" dirty="0"/>
-              <a:t>What is the moment vector that the tension in the cable exerts about the base of the pole?</a:t>
-            </a:r>
-          </a:p>
-        </p:txBody>
-      </p:sp>
-      <p:sp>
-        <p:nvSpPr>
-          <p:cNvPr id="4" name="Slide Number Placeholder 3"/>
-          <p:cNvSpPr>
-            <a:spLocks noGrp="1"/>
-          </p:cNvSpPr>
-          <p:nvPr>
-            <p:ph type="sldNum" sz="quarter" idx="12"/>
-          </p:nvPr>
-        </p:nvSpPr>
-        <p:spPr/>
-        <p:txBody>
-          <a:bodyPr/>
-          <a:lstStyle/>
-          <a:p>
-            <a:fld id="{929262FE-7F58-4A1E-8AF3-5A510A86DEBD}" type="slidenum">
-              <a:rPr lang="en-US" smtClean="0"/>
-              <a:t>9</a:t>
-            </a:fld>
-            <a:endParaRPr lang="en-US"/>
-          </a:p>
-        </p:txBody>
-      </p:sp>
-      <p:pic>
-        <p:nvPicPr>
-          <p:cNvPr id="3074" name="Picture 2" descr="Problem 2 Diagram"/>
-          <p:cNvPicPr>
-            <a:picLocks noChangeAspect="1" noChangeArrowheads="1"/>
-          </p:cNvPicPr>
-          <p:nvPr/>
-        </p:nvPicPr>
-        <p:blipFill>
-          <a:blip r:embed="rId2">
-            <a:extLst>
-              <a:ext uri="{28A0092B-C50C-407E-A947-70E740481C1C}">
-                <a14:useLocalDpi xmlns:a14="http://schemas.microsoft.com/office/drawing/2010/main" val="0"/>
-              </a:ext>
-            </a:extLst>
-          </a:blip>
-          <a:srcRect/>
-          <a:stretch>
-            <a:fillRect/>
-          </a:stretch>
-        </p:blipFill>
-        <p:spPr bwMode="auto">
-          <a:xfrm>
-            <a:off x="3469396" y="1813718"/>
-            <a:ext cx="5648144" cy="4694236"/>
-          </a:xfrm>
-          <a:prstGeom prst="rect">
-            <a:avLst/>
-          </a:prstGeom>
-          <a:noFill/>
-          <a:extLst>
-            <a:ext uri="{909E8E84-426E-40DD-AFC4-6F175D3DCCD1}">
-              <a14:hiddenFill xmlns:a14="http://schemas.microsoft.com/office/drawing/2010/main">
-                <a:solidFill>
-                  <a:srgbClr val="FFFFFF"/>
-                </a:solidFill>
-              </a14:hiddenFill>
-            </a:ext>
-          </a:extLst>
-        </p:spPr>
-      </p:pic>
-    </p:spTree>
-    <p:extLst>
-      <p:ext uri="{BB962C8B-B14F-4D97-AF65-F5344CB8AC3E}">
-        <p14:creationId xmlns:p14="http://schemas.microsoft.com/office/powerpoint/2010/main" val="1308225160"/>
       </p:ext>
     </p:extLst>
   </p:cSld>
@@ -7812,6 +9295,21 @@
 </file>
 
 <file path=customXml/item1.xml><?xml version="1.0" encoding="utf-8"?>
+<p:properties xmlns:p="http://schemas.microsoft.com/office/2006/metadata/properties" xmlns:xsi="http://www.w3.org/2001/XMLSchema-instance" xmlns:pc="http://schemas.microsoft.com/office/infopath/2007/PartnerControls">
+  <documentManagement/>
+</p:properties>
+</file>
+
+<file path=customXml/item2.xml><?xml version="1.0" encoding="utf-8"?>
+<?mso-contentType ?>
+<FormTemplates xmlns="http://schemas.microsoft.com/sharepoint/v3/contenttype/forms">
+  <Display>DocumentLibraryForm</Display>
+  <Edit>DocumentLibraryForm</Edit>
+  <New>DocumentLibraryForm</New>
+</FormTemplates>
+</file>
+
+<file path=customXml/item3.xml><?xml version="1.0" encoding="utf-8"?>
 <ct:contentTypeSchema xmlns:ct="http://schemas.microsoft.com/office/2006/metadata/contentType" xmlns:ma="http://schemas.microsoft.com/office/2006/metadata/properties/metaAttributes" ct:_="" ma:_="" ma:contentTypeName="Document" ma:contentTypeID="0x010100A06DF21F5BB2734A800ED30F3F452129" ma:contentTypeVersion="12" ma:contentTypeDescription="Create a new document." ma:contentTypeScope="" ma:versionID="544d96a5fbac5de9d5d902b535c73fb2">
   <xsd:schema xmlns:xsd="http://www.w3.org/2001/XMLSchema" xmlns:xs="http://www.w3.org/2001/XMLSchema" xmlns:p="http://schemas.microsoft.com/office/2006/metadata/properties" xmlns:ns3="90d05cb5-950f-4f68-bc2c-e17794455b92" xmlns:ns4="b4eab9fa-dbb0-4082-8491-8bd54207a265" targetNamespace="http://schemas.microsoft.com/office/2006/metadata/properties" ma:root="true" ma:fieldsID="7a710efc71c2169bf9c05e5a40dddf12" ns3:_="" ns4:_="">
     <xsd:import namespace="90d05cb5-950f-4f68-bc2c-e17794455b92"/>
@@ -8028,22 +9526,24 @@
 </ct:contentTypeSchema>
 </file>
 
-<file path=customXml/item2.xml><?xml version="1.0" encoding="utf-8"?>
-<?mso-contentType ?>
-<FormTemplates xmlns="http://schemas.microsoft.com/sharepoint/v3/contenttype/forms">
-  <Display>DocumentLibraryForm</Display>
-  <Edit>DocumentLibraryForm</Edit>
-  <New>DocumentLibraryForm</New>
-</FormTemplates>
+<file path=customXml/itemProps1.xml><?xml version="1.0" encoding="utf-8"?>
+<ds:datastoreItem xmlns:ds="http://schemas.openxmlformats.org/officeDocument/2006/customXml" ds:itemID="{52EB1464-66D1-425A-BBB5-7A9312BBE9C4}">
+  <ds:schemaRefs>
+    <ds:schemaRef ds:uri="http://schemas.microsoft.com/office/2006/metadata/properties"/>
+    <ds:schemaRef ds:uri="http://schemas.microsoft.com/office/infopath/2007/PartnerControls"/>
+  </ds:schemaRefs>
+</ds:datastoreItem>
 </file>
 
-<file path=customXml/item3.xml><?xml version="1.0" encoding="utf-8"?>
-<p:properties xmlns:p="http://schemas.microsoft.com/office/2006/metadata/properties" xmlns:xsi="http://www.w3.org/2001/XMLSchema-instance" xmlns:pc="http://schemas.microsoft.com/office/infopath/2007/PartnerControls">
-  <documentManagement/>
-</p:properties>
+<file path=customXml/itemProps2.xml><?xml version="1.0" encoding="utf-8"?>
+<ds:datastoreItem xmlns:ds="http://schemas.openxmlformats.org/officeDocument/2006/customXml" ds:itemID="{F5CF5F32-56DC-4068-8B04-457CF34A96F3}">
+  <ds:schemaRefs>
+    <ds:schemaRef ds:uri="http://schemas.microsoft.com/sharepoint/v3/contenttype/forms"/>
+  </ds:schemaRefs>
+</ds:datastoreItem>
 </file>
 
-<file path=customXml/itemProps1.xml><?xml version="1.0" encoding="utf-8"?>
+<file path=customXml/itemProps3.xml><?xml version="1.0" encoding="utf-8"?>
 <ds:datastoreItem xmlns:ds="http://schemas.openxmlformats.org/officeDocument/2006/customXml" ds:itemID="{A43B8A4B-79FE-4529-931C-D64224FA70E3}">
   <ds:schemaRefs>
     <ds:schemaRef ds:uri="http://schemas.microsoft.com/office/2006/metadata/contentType"/>
@@ -8060,21 +9560,4 @@
     <ds:schemaRef ds:uri="http://schemas.microsoft.com/internal/obd"/>
   </ds:schemaRefs>
 </ds:datastoreItem>
-</file>
-
-<file path=customXml/itemProps2.xml><?xml version="1.0" encoding="utf-8"?>
-<ds:datastoreItem xmlns:ds="http://schemas.openxmlformats.org/officeDocument/2006/customXml" ds:itemID="{F5CF5F32-56DC-4068-8B04-457CF34A96F3}">
-  <ds:schemaRefs>
-    <ds:schemaRef ds:uri="http://schemas.microsoft.com/sharepoint/v3/contenttype/forms"/>
-  </ds:schemaRefs>
-</ds:datastoreItem>
-</file>
-
-<file path=customXml/itemProps3.xml><?xml version="1.0" encoding="utf-8"?>
-<ds:datastoreItem xmlns:ds="http://schemas.openxmlformats.org/officeDocument/2006/customXml" ds:itemID="{52EB1464-66D1-425A-BBB5-7A9312BBE9C4}">
-  <ds:schemaRefs>
-    <ds:schemaRef ds:uri="http://schemas.microsoft.com/office/2006/metadata/properties"/>
-    <ds:schemaRef ds:uri="http://schemas.microsoft.com/office/infopath/2007/PartnerControls"/>
-  </ds:schemaRefs>
-</ds:datastoreItem>
 </file>